--- a/chinese/祝你聖誕快樂.pptx
+++ b/chinese/祝你聖誕快樂.pptx
@@ -8,7 +8,7 @@
     <p:sldId id="256" r:id="rId2"/>
     <p:sldId id="257" r:id="rId3"/>
   </p:sldIdLst>
-  <p:sldSz cx="9144000" cy="6858000" type="screen4x3"/>
+  <p:sldSz cx="9144000" cy="5143500" type="screen16x9"/>
   <p:notesSz cx="6858000" cy="9144000"/>
   <p:defaultTextStyle>
     <a:defPPr>
@@ -142,8 +142,8 @@
         </p:nvSpPr>
         <p:spPr>
           <a:xfrm>
-            <a:off x="838200" y="2114550"/>
-            <a:ext cx="7924800" cy="1771650"/>
+            <a:off x="838200" y="1585912"/>
+            <a:ext cx="7924800" cy="1328738"/>
           </a:xfrm>
         </p:spPr>
         <p:txBody>
@@ -180,8 +180,8 @@
         </p:nvSpPr>
         <p:spPr>
           <a:xfrm>
-            <a:off x="838200" y="3886200"/>
-            <a:ext cx="7924800" cy="1219200"/>
+            <a:off x="838200" y="2914650"/>
+            <a:ext cx="7924800" cy="914400"/>
           </a:xfrm>
         </p:spPr>
         <p:txBody>
@@ -305,7 +305,7 @@
             <a:fld id="{9C644F58-BDDD-49F5-905C-98B8229250DA}" type="datetimeFigureOut">
               <a:rPr lang="en-US" smtClean="0"/>
               <a:pPr/>
-              <a:t>8/24/2018</a:t>
+              <a:t>12/21/2019</a:t>
             </a:fld>
             <a:endParaRPr lang="en-US"/>
           </a:p>
@@ -391,8 +391,8 @@
         </p:nvSpPr>
         <p:spPr>
           <a:xfrm>
-            <a:off x="1908810" y="4828310"/>
-            <a:ext cx="6780213" cy="640080"/>
+            <a:off x="1908811" y="3621233"/>
+            <a:ext cx="6780213" cy="480060"/>
           </a:xfrm>
         </p:spPr>
         <p:txBody>
@@ -423,8 +423,8 @@
         </p:nvSpPr>
         <p:spPr>
           <a:xfrm>
-            <a:off x="1908811" y="5486400"/>
-            <a:ext cx="6780212" cy="640358"/>
+            <a:off x="1908811" y="4114800"/>
+            <a:ext cx="6780212" cy="480269"/>
           </a:xfrm>
         </p:spPr>
         <p:txBody>
@@ -494,7 +494,7 @@
             <a:fld id="{9C644F58-BDDD-49F5-905C-98B8229250DA}" type="datetimeFigureOut">
               <a:rPr lang="en-US" smtClean="0"/>
               <a:pPr/>
-              <a:t>8/24/2018</a:t>
+              <a:t>12/21/2019</a:t>
             </a:fld>
             <a:endParaRPr lang="en-US"/>
           </a:p>
@@ -551,8 +551,8 @@
         </p:nvSpPr>
         <p:spPr>
           <a:xfrm>
-            <a:off x="550863" y="685800"/>
-            <a:ext cx="8138160" cy="3840480"/>
+            <a:off x="550863" y="514350"/>
+            <a:ext cx="8138160" cy="2880360"/>
           </a:xfrm>
           <a:prstGeom prst="rect">
             <a:avLst/>
@@ -626,8 +626,8 @@
         </p:nvSpPr>
         <p:spPr>
           <a:xfrm>
-            <a:off x="916623" y="1005840"/>
-            <a:ext cx="7406640" cy="3200400"/>
+            <a:off x="916623" y="754380"/>
+            <a:ext cx="7406640" cy="2400300"/>
           </a:xfrm>
           <a:solidFill>
             <a:schemeClr val="tx1"/>
@@ -738,8 +738,8 @@
         </p:nvSpPr>
         <p:spPr>
           <a:xfrm>
-            <a:off x="219456" y="274320"/>
-            <a:ext cx="2679192" cy="1161288"/>
+            <a:off x="219456" y="205740"/>
+            <a:ext cx="2679192" cy="870966"/>
           </a:xfrm>
         </p:spPr>
         <p:txBody>
@@ -770,8 +770,8 @@
         </p:nvSpPr>
         <p:spPr>
           <a:xfrm>
-            <a:off x="219456" y="1901952"/>
-            <a:ext cx="2221992" cy="4041648"/>
+            <a:off x="219456" y="1426464"/>
+            <a:ext cx="2221992" cy="3031236"/>
           </a:xfrm>
         </p:spPr>
         <p:txBody>
@@ -841,7 +841,7 @@
             <a:fld id="{9C644F58-BDDD-49F5-905C-98B8229250DA}" type="datetimeFigureOut">
               <a:rPr lang="en-US" smtClean="0"/>
               <a:pPr/>
-              <a:t>8/24/2018</a:t>
+              <a:t>12/21/2019</a:t>
             </a:fld>
             <a:endParaRPr lang="en-US"/>
           </a:p>
@@ -900,8 +900,8 @@
         </p:nvSpPr>
         <p:spPr>
           <a:xfrm>
-            <a:off x="3575304" y="914400"/>
-            <a:ext cx="2514600" cy="4800600"/>
+            <a:off x="3575304" y="685800"/>
+            <a:ext cx="2514600" cy="3600450"/>
           </a:xfrm>
           <a:prstGeom prst="rect">
             <a:avLst/>
@@ -975,8 +975,8 @@
         </p:nvSpPr>
         <p:spPr>
           <a:xfrm>
-            <a:off x="3918204" y="1257300"/>
-            <a:ext cx="1828800" cy="4114800"/>
+            <a:off x="3918204" y="942975"/>
+            <a:ext cx="1828800" cy="3086100"/>
           </a:xfrm>
           <a:solidFill>
             <a:schemeClr val="bg1"/>
@@ -1051,8 +1051,8 @@
         </p:nvSpPr>
         <p:spPr>
           <a:xfrm>
-            <a:off x="6400800" y="914400"/>
-            <a:ext cx="2514600" cy="4800600"/>
+            <a:off x="6400800" y="685800"/>
+            <a:ext cx="2514600" cy="3600450"/>
           </a:xfrm>
           <a:prstGeom prst="rect">
             <a:avLst/>
@@ -1126,8 +1126,8 @@
         </p:nvSpPr>
         <p:spPr>
           <a:xfrm>
-            <a:off x="6743700" y="1257300"/>
-            <a:ext cx="1828800" cy="4114800"/>
+            <a:off x="6743700" y="942975"/>
+            <a:ext cx="1828800" cy="3086100"/>
           </a:xfrm>
           <a:solidFill>
             <a:schemeClr val="bg1"/>
@@ -1234,8 +1234,8 @@
         </p:nvSpPr>
         <p:spPr>
           <a:xfrm>
-            <a:off x="219456" y="274320"/>
-            <a:ext cx="2679192" cy="1161288"/>
+            <a:off x="219456" y="205740"/>
+            <a:ext cx="2679192" cy="870966"/>
           </a:xfrm>
         </p:spPr>
         <p:txBody>
@@ -1266,8 +1266,8 @@
         </p:nvSpPr>
         <p:spPr>
           <a:xfrm>
-            <a:off x="219456" y="1901952"/>
-            <a:ext cx="2221992" cy="4041648"/>
+            <a:off x="219456" y="1426464"/>
+            <a:ext cx="2221992" cy="3031236"/>
           </a:xfrm>
         </p:spPr>
         <p:txBody>
@@ -1337,7 +1337,7 @@
             <a:fld id="{9C644F58-BDDD-49F5-905C-98B8229250DA}" type="datetimeFigureOut">
               <a:rPr lang="en-US" smtClean="0"/>
               <a:pPr/>
-              <a:t>8/24/2018</a:t>
+              <a:t>12/21/2019</a:t>
             </a:fld>
             <a:endParaRPr lang="en-US"/>
           </a:p>
@@ -1394,8 +1394,8 @@
         </p:nvSpPr>
         <p:spPr>
           <a:xfrm>
-            <a:off x="3575304" y="914400"/>
-            <a:ext cx="5340096" cy="2286000"/>
+            <a:off x="3575304" y="685800"/>
+            <a:ext cx="5340096" cy="1714500"/>
           </a:xfrm>
           <a:prstGeom prst="rect">
             <a:avLst/>
@@ -1469,8 +1469,8 @@
         </p:nvSpPr>
         <p:spPr>
           <a:xfrm>
-            <a:off x="3895344" y="1257300"/>
-            <a:ext cx="4700016" cy="1600200"/>
+            <a:off x="3895344" y="942975"/>
+            <a:ext cx="4700016" cy="1200150"/>
           </a:xfrm>
           <a:solidFill>
             <a:schemeClr val="bg1"/>
@@ -1543,8 +1543,8 @@
         </p:nvSpPr>
         <p:spPr>
           <a:xfrm>
-            <a:off x="3566160" y="3429000"/>
-            <a:ext cx="5340096" cy="2286000"/>
+            <a:off x="3566160" y="2571750"/>
+            <a:ext cx="5340096" cy="1714500"/>
           </a:xfrm>
           <a:prstGeom prst="rect">
             <a:avLst/>
@@ -1618,8 +1618,8 @@
         </p:nvSpPr>
         <p:spPr>
           <a:xfrm>
-            <a:off x="3886200" y="3771900"/>
-            <a:ext cx="4700016" cy="1600200"/>
+            <a:off x="3886200" y="2828925"/>
+            <a:ext cx="4700016" cy="1200150"/>
           </a:xfrm>
           <a:solidFill>
             <a:schemeClr val="bg1"/>
@@ -1726,8 +1726,8 @@
         </p:nvSpPr>
         <p:spPr>
           <a:xfrm>
-            <a:off x="219456" y="274320"/>
-            <a:ext cx="2679192" cy="1161288"/>
+            <a:off x="219456" y="205740"/>
+            <a:ext cx="2679192" cy="870966"/>
           </a:xfrm>
         </p:spPr>
         <p:txBody>
@@ -1758,8 +1758,8 @@
         </p:nvSpPr>
         <p:spPr>
           <a:xfrm>
-            <a:off x="219456" y="1901952"/>
-            <a:ext cx="2221992" cy="4041648"/>
+            <a:off x="219456" y="1426464"/>
+            <a:ext cx="2221992" cy="3031236"/>
           </a:xfrm>
         </p:spPr>
         <p:txBody>
@@ -1829,7 +1829,7 @@
             <a:fld id="{9C644F58-BDDD-49F5-905C-98B8229250DA}" type="datetimeFigureOut">
               <a:rPr lang="en-US" smtClean="0"/>
               <a:pPr/>
-              <a:t>8/24/2018</a:t>
+              <a:t>12/21/2019</a:t>
             </a:fld>
             <a:endParaRPr lang="en-US"/>
           </a:p>
@@ -1886,8 +1886,8 @@
         </p:nvSpPr>
         <p:spPr>
           <a:xfrm>
-            <a:off x="3575304" y="914400"/>
-            <a:ext cx="5340096" cy="2286000"/>
+            <a:off x="3575304" y="685800"/>
+            <a:ext cx="5340096" cy="1714500"/>
           </a:xfrm>
           <a:prstGeom prst="rect">
             <a:avLst/>
@@ -1961,8 +1961,8 @@
         </p:nvSpPr>
         <p:spPr>
           <a:xfrm>
-            <a:off x="3895344" y="1257300"/>
-            <a:ext cx="4700016" cy="1600200"/>
+            <a:off x="3895344" y="942975"/>
+            <a:ext cx="4700016" cy="1200150"/>
           </a:xfrm>
           <a:solidFill>
             <a:schemeClr val="bg1"/>
@@ -2035,8 +2035,8 @@
         </p:nvSpPr>
         <p:spPr>
           <a:xfrm>
-            <a:off x="3581400" y="3427413"/>
-            <a:ext cx="2514600" cy="2286000"/>
+            <a:off x="3581400" y="2570560"/>
+            <a:ext cx="2514600" cy="1714500"/>
           </a:xfrm>
           <a:prstGeom prst="rect">
             <a:avLst/>
@@ -2110,8 +2110,8 @@
         </p:nvSpPr>
         <p:spPr>
           <a:xfrm>
-            <a:off x="3924300" y="3770313"/>
-            <a:ext cx="1828800" cy="1600200"/>
+            <a:off x="3924300" y="2827735"/>
+            <a:ext cx="1828800" cy="1200150"/>
           </a:xfrm>
           <a:solidFill>
             <a:schemeClr val="bg1"/>
@@ -2184,8 +2184,8 @@
         </p:nvSpPr>
         <p:spPr>
           <a:xfrm>
-            <a:off x="6400800" y="3427413"/>
-            <a:ext cx="2514600" cy="2286000"/>
+            <a:off x="6400800" y="2570560"/>
+            <a:ext cx="2514600" cy="1714500"/>
           </a:xfrm>
           <a:prstGeom prst="rect">
             <a:avLst/>
@@ -2259,8 +2259,8 @@
         </p:nvSpPr>
         <p:spPr>
           <a:xfrm>
-            <a:off x="6742113" y="3770313"/>
-            <a:ext cx="1828800" cy="1600200"/>
+            <a:off x="6742113" y="2827735"/>
+            <a:ext cx="1828800" cy="1200150"/>
           </a:xfrm>
           <a:solidFill>
             <a:schemeClr val="bg1"/>
@@ -2367,8 +2367,8 @@
         </p:nvSpPr>
         <p:spPr>
           <a:xfrm>
-            <a:off x="219456" y="274320"/>
-            <a:ext cx="2679192" cy="1161288"/>
+            <a:off x="219456" y="205740"/>
+            <a:ext cx="2679192" cy="870966"/>
           </a:xfrm>
         </p:spPr>
         <p:txBody>
@@ -2399,8 +2399,8 @@
         </p:nvSpPr>
         <p:spPr>
           <a:xfrm>
-            <a:off x="219456" y="1901952"/>
-            <a:ext cx="2221992" cy="4041648"/>
+            <a:off x="219456" y="1426464"/>
+            <a:ext cx="2221992" cy="3031236"/>
           </a:xfrm>
         </p:spPr>
         <p:txBody>
@@ -2470,7 +2470,7 @@
             <a:fld id="{9C644F58-BDDD-49F5-905C-98B8229250DA}" type="datetimeFigureOut">
               <a:rPr lang="en-US" smtClean="0"/>
               <a:pPr/>
-              <a:t>8/24/2018</a:t>
+              <a:t>12/21/2019</a:t>
             </a:fld>
             <a:endParaRPr lang="en-US"/>
           </a:p>
@@ -2527,8 +2527,8 @@
         </p:nvSpPr>
         <p:spPr>
           <a:xfrm>
-            <a:off x="3581400" y="3427413"/>
-            <a:ext cx="2514600" cy="2286000"/>
+            <a:off x="3581400" y="2570560"/>
+            <a:ext cx="2514600" cy="1714500"/>
           </a:xfrm>
           <a:prstGeom prst="rect">
             <a:avLst/>
@@ -2602,8 +2602,8 @@
         </p:nvSpPr>
         <p:spPr>
           <a:xfrm>
-            <a:off x="3924300" y="3770313"/>
-            <a:ext cx="1828800" cy="1600200"/>
+            <a:off x="3924300" y="2827735"/>
+            <a:ext cx="1828800" cy="1200150"/>
           </a:xfrm>
           <a:solidFill>
             <a:schemeClr val="bg1"/>
@@ -2676,8 +2676,8 @@
         </p:nvSpPr>
         <p:spPr>
           <a:xfrm>
-            <a:off x="6400800" y="3427413"/>
-            <a:ext cx="2514600" cy="2286000"/>
+            <a:off x="6400800" y="2570560"/>
+            <a:ext cx="2514600" cy="1714500"/>
           </a:xfrm>
           <a:prstGeom prst="rect">
             <a:avLst/>
@@ -2751,8 +2751,8 @@
         </p:nvSpPr>
         <p:spPr>
           <a:xfrm>
-            <a:off x="6742113" y="3770313"/>
-            <a:ext cx="1828800" cy="1600200"/>
+            <a:off x="6742113" y="2827735"/>
+            <a:ext cx="1828800" cy="1200150"/>
           </a:xfrm>
           <a:solidFill>
             <a:schemeClr val="bg1"/>
@@ -2825,8 +2825,8 @@
         </p:nvSpPr>
         <p:spPr>
           <a:xfrm>
-            <a:off x="3581400" y="914400"/>
-            <a:ext cx="2514600" cy="2286000"/>
+            <a:off x="3581400" y="685800"/>
+            <a:ext cx="2514600" cy="1714500"/>
           </a:xfrm>
           <a:prstGeom prst="rect">
             <a:avLst/>
@@ -2900,8 +2900,8 @@
         </p:nvSpPr>
         <p:spPr>
           <a:xfrm>
-            <a:off x="3924300" y="1261872"/>
-            <a:ext cx="1828800" cy="1600200"/>
+            <a:off x="3924300" y="946404"/>
+            <a:ext cx="1828800" cy="1200150"/>
           </a:xfrm>
           <a:solidFill>
             <a:schemeClr val="bg1"/>
@@ -2974,8 +2974,8 @@
         </p:nvSpPr>
         <p:spPr>
           <a:xfrm>
-            <a:off x="6400800" y="914400"/>
-            <a:ext cx="2514600" cy="2286000"/>
+            <a:off x="6400800" y="685800"/>
+            <a:ext cx="2514600" cy="1714500"/>
           </a:xfrm>
           <a:prstGeom prst="rect">
             <a:avLst/>
@@ -3049,8 +3049,8 @@
         </p:nvSpPr>
         <p:spPr>
           <a:xfrm>
-            <a:off x="6742113" y="1261872"/>
-            <a:ext cx="1828800" cy="1600200"/>
+            <a:off x="6742113" y="946404"/>
+            <a:ext cx="1828800" cy="1200150"/>
           </a:xfrm>
           <a:solidFill>
             <a:schemeClr val="bg1"/>
@@ -3238,7 +3238,7 @@
             <a:fld id="{9C644F58-BDDD-49F5-905C-98B8229250DA}" type="datetimeFigureOut">
               <a:rPr lang="en-US" smtClean="0"/>
               <a:pPr/>
-              <a:t>8/24/2018</a:t>
+              <a:t>12/21/2019</a:t>
             </a:fld>
             <a:endParaRPr lang="en-US"/>
           </a:p>
@@ -3324,8 +3324,8 @@
         </p:nvSpPr>
         <p:spPr>
           <a:xfrm>
-            <a:off x="7019364" y="699247"/>
-            <a:ext cx="1667435" cy="5014166"/>
+            <a:off x="7019365" y="524435"/>
+            <a:ext cx="1667435" cy="3760625"/>
           </a:xfrm>
         </p:spPr>
         <p:txBody>
@@ -3352,8 +3352,8 @@
         </p:nvSpPr>
         <p:spPr>
           <a:xfrm>
-            <a:off x="457199" y="699247"/>
-            <a:ext cx="6037729" cy="5014166"/>
+            <a:off x="457200" y="524435"/>
+            <a:ext cx="6037729" cy="3760625"/>
           </a:xfrm>
         </p:spPr>
         <p:txBody>
@@ -3415,7 +3415,7 @@
             <a:fld id="{9C644F58-BDDD-49F5-905C-98B8229250DA}" type="datetimeFigureOut">
               <a:rPr lang="en-US" smtClean="0"/>
               <a:pPr/>
-              <a:t>8/24/2018</a:t>
+              <a:t>12/21/2019</a:t>
             </a:fld>
             <a:endParaRPr lang="en-US"/>
           </a:p>
@@ -3582,7 +3582,7 @@
             <a:fld id="{9C644F58-BDDD-49F5-905C-98B8229250DA}" type="datetimeFigureOut">
               <a:rPr lang="en-US" smtClean="0"/>
               <a:pPr/>
-              <a:t>8/24/2018</a:t>
+              <a:t>12/21/2019</a:t>
             </a:fld>
             <a:endParaRPr lang="en-US"/>
           </a:p>
@@ -3639,8 +3639,8 @@
         </p:nvSpPr>
         <p:spPr>
           <a:xfrm rot="13549715">
-            <a:off x="8120300" y="5774378"/>
-            <a:ext cx="990600" cy="1323439"/>
+            <a:off x="8244125" y="4165354"/>
+            <a:ext cx="742950" cy="1323439"/>
           </a:xfrm>
           <a:prstGeom prst="rect">
             <a:avLst/>
@@ -3745,8 +3745,8 @@
         </p:nvSpPr>
         <p:spPr>
           <a:xfrm>
-            <a:off x="722313" y="2133600"/>
-            <a:ext cx="7772400" cy="1362075"/>
+            <a:off x="722313" y="1600201"/>
+            <a:ext cx="7772400" cy="1021556"/>
           </a:xfrm>
         </p:spPr>
         <p:txBody>
@@ -3777,8 +3777,8 @@
         </p:nvSpPr>
         <p:spPr>
           <a:xfrm>
-            <a:off x="722313" y="3505200"/>
-            <a:ext cx="7772400" cy="901700"/>
+            <a:off x="722313" y="2628900"/>
+            <a:ext cx="7772400" cy="676275"/>
           </a:xfrm>
         </p:spPr>
         <p:txBody>
@@ -3900,7 +3900,7 @@
             <a:fld id="{9C644F58-BDDD-49F5-905C-98B8229250DA}" type="datetimeFigureOut">
               <a:rPr lang="en-US" smtClean="0"/>
               <a:pPr/>
-              <a:t>8/24/2018</a:t>
+              <a:t>12/21/2019</a:t>
             </a:fld>
             <a:endParaRPr lang="en-US"/>
           </a:p>
@@ -3957,8 +3957,8 @@
         </p:nvSpPr>
         <p:spPr>
           <a:xfrm rot="2783796">
-            <a:off x="6232" y="-270992"/>
-            <a:ext cx="990600" cy="1323439"/>
+            <a:off x="130057" y="-368674"/>
+            <a:ext cx="742950" cy="1323439"/>
           </a:xfrm>
           <a:prstGeom prst="rect">
             <a:avLst/>
@@ -4063,8 +4063,8 @@
         </p:nvSpPr>
         <p:spPr>
           <a:xfrm>
-            <a:off x="533400" y="274638"/>
-            <a:ext cx="8153400" cy="1143000"/>
+            <a:off x="533400" y="205978"/>
+            <a:ext cx="8153400" cy="857250"/>
           </a:xfrm>
         </p:spPr>
         <p:txBody>
@@ -4091,8 +4091,8 @@
         </p:nvSpPr>
         <p:spPr>
           <a:xfrm>
-            <a:off x="2133600" y="1600200"/>
-            <a:ext cx="3200400" cy="4525963"/>
+            <a:off x="2133600" y="1200151"/>
+            <a:ext cx="3200400" cy="3394472"/>
           </a:xfrm>
         </p:spPr>
         <p:txBody>
@@ -4178,8 +4178,8 @@
         </p:nvSpPr>
         <p:spPr>
           <a:xfrm>
-            <a:off x="5486400" y="1600200"/>
-            <a:ext cx="3200400" cy="4525963"/>
+            <a:off x="5486400" y="1200151"/>
+            <a:ext cx="3200400" cy="3394472"/>
           </a:xfrm>
         </p:spPr>
         <p:txBody>
@@ -4271,7 +4271,7 @@
             <a:fld id="{9C644F58-BDDD-49F5-905C-98B8229250DA}" type="datetimeFigureOut">
               <a:rPr lang="en-US" smtClean="0"/>
               <a:pPr/>
-              <a:t>8/24/2018</a:t>
+              <a:t>12/21/2019</a:t>
             </a:fld>
             <a:endParaRPr lang="en-US"/>
           </a:p>
@@ -4357,8 +4357,8 @@
         </p:nvSpPr>
         <p:spPr>
           <a:xfrm>
-            <a:off x="533400" y="274638"/>
-            <a:ext cx="8153400" cy="1143000"/>
+            <a:off x="533400" y="205978"/>
+            <a:ext cx="8153400" cy="857250"/>
           </a:xfrm>
         </p:spPr>
         <p:txBody>
@@ -4389,8 +4389,8 @@
         </p:nvSpPr>
         <p:spPr>
           <a:xfrm>
-            <a:off x="2133600" y="1515035"/>
-            <a:ext cx="3200400" cy="639762"/>
+            <a:off x="2133600" y="1136276"/>
+            <a:ext cx="3200400" cy="479822"/>
           </a:xfrm>
         </p:spPr>
         <p:txBody>
@@ -4463,8 +4463,8 @@
         </p:nvSpPr>
         <p:spPr>
           <a:xfrm>
-            <a:off x="2133600" y="2285999"/>
-            <a:ext cx="3200400" cy="3840163"/>
+            <a:off x="2133600" y="1714500"/>
+            <a:ext cx="3200400" cy="2880122"/>
           </a:xfrm>
         </p:spPr>
         <p:txBody>
@@ -4550,8 +4550,8 @@
         </p:nvSpPr>
         <p:spPr>
           <a:xfrm>
-            <a:off x="5486400" y="1515035"/>
-            <a:ext cx="3200400" cy="639762"/>
+            <a:off x="5486400" y="1136276"/>
+            <a:ext cx="3200400" cy="479822"/>
           </a:xfrm>
         </p:spPr>
         <p:txBody>
@@ -4624,8 +4624,8 @@
         </p:nvSpPr>
         <p:spPr>
           <a:xfrm>
-            <a:off x="5486400" y="2285999"/>
-            <a:ext cx="3200400" cy="3840163"/>
+            <a:off x="5486400" y="1714500"/>
+            <a:ext cx="3200400" cy="2880122"/>
           </a:xfrm>
         </p:spPr>
         <p:txBody>
@@ -4717,7 +4717,7 @@
             <a:fld id="{9C644F58-BDDD-49F5-905C-98B8229250DA}" type="datetimeFigureOut">
               <a:rPr lang="en-US" smtClean="0"/>
               <a:pPr/>
-              <a:t>8/24/2018</a:t>
+              <a:t>12/21/2019</a:t>
             </a:fld>
             <a:endParaRPr lang="en-US"/>
           </a:p>
@@ -4832,7 +4832,7 @@
             <a:fld id="{9C644F58-BDDD-49F5-905C-98B8229250DA}" type="datetimeFigureOut">
               <a:rPr lang="en-US" smtClean="0"/>
               <a:pPr/>
-              <a:t>8/24/2018</a:t>
+              <a:t>12/21/2019</a:t>
             </a:fld>
             <a:endParaRPr lang="en-US"/>
           </a:p>
@@ -4924,7 +4924,7 @@
             <a:fld id="{9C644F58-BDDD-49F5-905C-98B8229250DA}" type="datetimeFigureOut">
               <a:rPr lang="en-US" smtClean="0"/>
               <a:pPr/>
-              <a:t>8/24/2018</a:t>
+              <a:t>12/21/2019</a:t>
             </a:fld>
             <a:endParaRPr lang="en-US"/>
           </a:p>
@@ -4981,8 +4981,8 @@
         </p:nvSpPr>
         <p:spPr>
           <a:xfrm rot="13549715">
-            <a:off x="8120300" y="5774378"/>
-            <a:ext cx="990600" cy="1323439"/>
+            <a:off x="8244125" y="4165354"/>
+            <a:ext cx="742950" cy="1323439"/>
           </a:xfrm>
           <a:prstGeom prst="rect">
             <a:avLst/>
@@ -5092,8 +5092,8 @@
         </p:nvSpPr>
         <p:spPr>
           <a:xfrm>
-            <a:off x="215153" y="273050"/>
-            <a:ext cx="2680447" cy="1162050"/>
+            <a:off x="215154" y="204787"/>
+            <a:ext cx="2680447" cy="871538"/>
           </a:xfrm>
         </p:spPr>
         <p:txBody>
@@ -5124,8 +5124,8 @@
         </p:nvSpPr>
         <p:spPr>
           <a:xfrm>
-            <a:off x="3575049" y="914400"/>
-            <a:ext cx="5338763" cy="4799013"/>
+            <a:off x="3575050" y="685800"/>
+            <a:ext cx="5338763" cy="3599260"/>
           </a:xfrm>
         </p:spPr>
         <p:txBody>
@@ -5227,8 +5227,8 @@
         </p:nvSpPr>
         <p:spPr>
           <a:xfrm>
-            <a:off x="215153" y="1905001"/>
-            <a:ext cx="2223247" cy="4037012"/>
+            <a:off x="215154" y="1428751"/>
+            <a:ext cx="2223247" cy="3027759"/>
           </a:xfrm>
         </p:spPr>
         <p:txBody>
@@ -5292,8 +5292,8 @@
         </p:nvSpPr>
         <p:spPr>
           <a:xfrm>
-            <a:off x="421341" y="6539753"/>
-            <a:ext cx="1828800" cy="228600"/>
+            <a:off x="421341" y="4904815"/>
+            <a:ext cx="1828800" cy="171450"/>
           </a:xfrm>
         </p:spPr>
         <p:txBody>
@@ -5303,7 +5303,7 @@
             <a:fld id="{9C644F58-BDDD-49F5-905C-98B8229250DA}" type="datetimeFigureOut">
               <a:rPr lang="en-US" smtClean="0"/>
               <a:pPr/>
-              <a:t>8/24/2018</a:t>
+              <a:t>12/21/2019</a:t>
             </a:fld>
             <a:endParaRPr lang="en-US"/>
           </a:p>
@@ -5394,8 +5394,8 @@
         </p:nvSpPr>
         <p:spPr>
           <a:xfrm>
-            <a:off x="219456" y="274320"/>
-            <a:ext cx="2679192" cy="1161288"/>
+            <a:off x="219456" y="205740"/>
+            <a:ext cx="2679192" cy="870966"/>
           </a:xfrm>
         </p:spPr>
         <p:txBody>
@@ -5426,8 +5426,8 @@
         </p:nvSpPr>
         <p:spPr>
           <a:xfrm>
-            <a:off x="219456" y="1901952"/>
-            <a:ext cx="2221992" cy="4041648"/>
+            <a:off x="219456" y="1426464"/>
+            <a:ext cx="2221992" cy="3031236"/>
           </a:xfrm>
         </p:spPr>
         <p:txBody>
@@ -5497,7 +5497,7 @@
             <a:fld id="{9C644F58-BDDD-49F5-905C-98B8229250DA}" type="datetimeFigureOut">
               <a:rPr lang="en-US" smtClean="0"/>
               <a:pPr/>
-              <a:t>8/24/2018</a:t>
+              <a:t>12/21/2019</a:t>
             </a:fld>
             <a:endParaRPr lang="en-US"/>
           </a:p>
@@ -5554,8 +5554,8 @@
         </p:nvSpPr>
         <p:spPr>
           <a:xfrm>
-            <a:off x="3575304" y="914400"/>
-            <a:ext cx="5340096" cy="4800600"/>
+            <a:off x="3575304" y="685800"/>
+            <a:ext cx="5340096" cy="3600450"/>
           </a:xfrm>
           <a:prstGeom prst="rect">
             <a:avLst/>
@@ -5622,8 +5622,8 @@
         </p:nvSpPr>
         <p:spPr>
           <a:xfrm>
-            <a:off x="3895344" y="1234440"/>
-            <a:ext cx="4700016" cy="4160520"/>
+            <a:off x="3895344" y="925830"/>
+            <a:ext cx="4700016" cy="3120390"/>
           </a:xfrm>
           <a:solidFill>
             <a:schemeClr val="bg1"/>
@@ -5730,8 +5730,8 @@
         </p:nvSpPr>
         <p:spPr>
           <a:xfrm>
-            <a:off x="533400" y="274638"/>
-            <a:ext cx="8153400" cy="1143000"/>
+            <a:off x="533400" y="205978"/>
+            <a:ext cx="8153400" cy="857250"/>
           </a:xfrm>
           <a:prstGeom prst="rect">
             <a:avLst/>
@@ -5763,8 +5763,8 @@
         </p:nvSpPr>
         <p:spPr>
           <a:xfrm>
-            <a:off x="2133600" y="1600200"/>
-            <a:ext cx="6553200" cy="4525963"/>
+            <a:off x="2133600" y="1200151"/>
+            <a:ext cx="6553200" cy="3394472"/>
           </a:xfrm>
           <a:prstGeom prst="rect">
             <a:avLst/>
@@ -5825,8 +5825,8 @@
         </p:nvSpPr>
         <p:spPr>
           <a:xfrm>
-            <a:off x="421341" y="6539753"/>
-            <a:ext cx="1828800" cy="228600"/>
+            <a:off x="421341" y="4904815"/>
+            <a:ext cx="1828800" cy="171450"/>
           </a:xfrm>
           <a:prstGeom prst="rect">
             <a:avLst/>
@@ -5847,7 +5847,7 @@
             <a:fld id="{9C644F58-BDDD-49F5-905C-98B8229250DA}" type="datetimeFigureOut">
               <a:rPr lang="en-US" smtClean="0"/>
               <a:pPr/>
-              <a:t>8/24/2018</a:t>
+              <a:t>12/21/2019</a:t>
             </a:fld>
             <a:endParaRPr lang="en-US"/>
           </a:p>
@@ -5865,8 +5865,8 @@
         </p:nvSpPr>
         <p:spPr>
           <a:xfrm>
-            <a:off x="4343400" y="6539753"/>
-            <a:ext cx="3657600" cy="228600"/>
+            <a:off x="4343400" y="4904815"/>
+            <a:ext cx="3657600" cy="171450"/>
           </a:xfrm>
           <a:prstGeom prst="rect">
             <a:avLst/>
@@ -5900,8 +5900,8 @@
         </p:nvSpPr>
         <p:spPr>
           <a:xfrm>
-            <a:off x="8077200" y="6539753"/>
-            <a:ext cx="609600" cy="228600"/>
+            <a:off x="8077200" y="4904815"/>
+            <a:ext cx="609600" cy="171450"/>
           </a:xfrm>
           <a:prstGeom prst="rect">
             <a:avLst/>
@@ -6256,13 +6256,13 @@
         </p:nvSpPr>
         <p:spPr>
           <a:xfrm>
-            <a:off x="1676400" y="1600200"/>
-            <a:ext cx="6553200" cy="4525963"/>
+            <a:off x="1676400" y="1200151"/>
+            <a:ext cx="6553200" cy="3394472"/>
           </a:xfrm>
         </p:spPr>
         <p:txBody>
           <a:bodyPr>
-            <a:normAutofit/>
+            <a:normAutofit fontScale="92500" lnSpcReduction="20000"/>
           </a:bodyPr>
           <a:lstStyle/>
           <a:p>
@@ -6374,13 +6374,13 @@
         </p:nvSpPr>
         <p:spPr>
           <a:xfrm>
-            <a:off x="1600200" y="1447800"/>
-            <a:ext cx="6553200" cy="4525963"/>
+            <a:off x="1600200" y="1085851"/>
+            <a:ext cx="6553200" cy="3394472"/>
           </a:xfrm>
         </p:spPr>
         <p:txBody>
           <a:bodyPr>
-            <a:normAutofit/>
+            <a:normAutofit fontScale="92500" lnSpcReduction="20000"/>
           </a:bodyPr>
           <a:lstStyle/>
           <a:p>
